--- a/batch 2/ppt2/BAKERY SHOP MANAGEMENT SYSTEM.pptx
+++ b/batch 2/ppt2/BAKERY SHOP MANAGEMENT SYSTEM.pptx
@@ -122,7 +122,7 @@
   </p:defaultTextStyle>
   <p:extLst>
     <p:ext uri="{EFAFB233-063F-42B5-8137-9DF3F51BA10A}">
-      <p15:sldGuideLst xmlns:p15="http://schemas.microsoft.com/office/powerpoint/2012/main" xmlns="">
+      <p15:sldGuideLst xmlns="" xmlns:p15="http://schemas.microsoft.com/office/powerpoint/2012/main">
         <p15:guide id="1" orient="horz" pos="2160">
           <p15:clr>
             <a:srgbClr val="A4A3A4"/>
@@ -755,7 +755,7 @@
             <a:fld id="{1C6E12D2-DA3A-480B-BCDF-BFB6C7EBE402}" type="datetimeFigureOut">
               <a:rPr lang="en-US" smtClean="0"/>
               <a:pPr/>
-              <a:t>3/18/2023</a:t>
+              <a:t>4/1/2023</a:t>
             </a:fld>
             <a:endParaRPr lang="en-US"/>
           </a:p>
@@ -946,7 +946,7 @@
             <a:fld id="{1C6E12D2-DA3A-480B-BCDF-BFB6C7EBE402}" type="datetimeFigureOut">
               <a:rPr lang="en-US" smtClean="0"/>
               <a:pPr/>
-              <a:t>3/18/2023</a:t>
+              <a:t>4/1/2023</a:t>
             </a:fld>
             <a:endParaRPr lang="en-US"/>
           </a:p>
@@ -1122,7 +1122,7 @@
             <a:fld id="{1C6E12D2-DA3A-480B-BCDF-BFB6C7EBE402}" type="datetimeFigureOut">
               <a:rPr lang="en-US" smtClean="0"/>
               <a:pPr/>
-              <a:t>3/18/2023</a:t>
+              <a:t>4/1/2023</a:t>
             </a:fld>
             <a:endParaRPr lang="en-US"/>
           </a:p>
@@ -1266,7 +1266,7 @@
             <a:fld id="{1C6E12D2-DA3A-480B-BCDF-BFB6C7EBE402}" type="datetimeFigureOut">
               <a:rPr lang="en-US" smtClean="0"/>
               <a:pPr/>
-              <a:t>3/18/2023</a:t>
+              <a:t>4/1/2023</a:t>
             </a:fld>
             <a:endParaRPr lang="en-US"/>
           </a:p>
@@ -1513,7 +1513,7 @@
             <a:fld id="{1C6E12D2-DA3A-480B-BCDF-BFB6C7EBE402}" type="datetimeFigureOut">
               <a:rPr lang="en-US" smtClean="0"/>
               <a:pPr/>
-              <a:t>3/18/2023</a:t>
+              <a:t>4/1/2023</a:t>
             </a:fld>
             <a:endParaRPr lang="en-US"/>
           </a:p>
@@ -1914,7 +1914,7 @@
             <a:fld id="{1C6E12D2-DA3A-480B-BCDF-BFB6C7EBE402}" type="datetimeFigureOut">
               <a:rPr lang="en-US" smtClean="0"/>
               <a:pPr/>
-              <a:t>3/18/2023</a:t>
+              <a:t>4/1/2023</a:t>
             </a:fld>
             <a:endParaRPr lang="en-US"/>
           </a:p>
@@ -2352,7 +2352,7 @@
             <a:fld id="{1C6E12D2-DA3A-480B-BCDF-BFB6C7EBE402}" type="datetimeFigureOut">
               <a:rPr lang="en-US" smtClean="0"/>
               <a:pPr/>
-              <a:t>3/18/2023</a:t>
+              <a:t>4/1/2023</a:t>
             </a:fld>
             <a:endParaRPr lang="en-US"/>
           </a:p>
@@ -2449,7 +2449,7 @@
             <a:fld id="{1C6E12D2-DA3A-480B-BCDF-BFB6C7EBE402}" type="datetimeFigureOut">
               <a:rPr lang="en-US" smtClean="0"/>
               <a:pPr/>
-              <a:t>3/18/2023</a:t>
+              <a:t>4/1/2023</a:t>
             </a:fld>
             <a:endParaRPr lang="en-US"/>
           </a:p>
@@ -2563,7 +2563,7 @@
             <a:fld id="{1C6E12D2-DA3A-480B-BCDF-BFB6C7EBE402}" type="datetimeFigureOut">
               <a:rPr lang="en-US" smtClean="0"/>
               <a:pPr/>
-              <a:t>3/18/2023</a:t>
+              <a:t>4/1/2023</a:t>
             </a:fld>
             <a:endParaRPr lang="en-US"/>
           </a:p>
@@ -2832,7 +2832,7 @@
             <a:fld id="{1C6E12D2-DA3A-480B-BCDF-BFB6C7EBE402}" type="datetimeFigureOut">
               <a:rPr lang="en-US" smtClean="0"/>
               <a:pPr/>
-              <a:t>3/18/2023</a:t>
+              <a:t>4/1/2023</a:t>
             </a:fld>
             <a:endParaRPr lang="en-US"/>
           </a:p>
@@ -3035,7 +3035,7 @@
             <a:fld id="{1C6E12D2-DA3A-480B-BCDF-BFB6C7EBE402}" type="datetimeFigureOut">
               <a:rPr lang="en-US" smtClean="0"/>
               <a:pPr/>
-              <a:t>3/18/2023</a:t>
+              <a:t>4/1/2023</a:t>
             </a:fld>
             <a:endParaRPr lang="en-US"/>
           </a:p>
@@ -4123,7 +4123,7 @@
             <a:fld id="{1C6E12D2-DA3A-480B-BCDF-BFB6C7EBE402}" type="datetimeFigureOut">
               <a:rPr lang="en-US" smtClean="0"/>
               <a:pPr/>
-              <a:t>3/18/2023</a:t>
+              <a:t>4/1/2023</a:t>
             </a:fld>
             <a:endParaRPr lang="en-US"/>
           </a:p>
@@ -4536,7 +4536,7 @@
           <p:cNvPr id="2" name="Title 1">
             <a:extLst>
               <a:ext uri="{FF2B5EF4-FFF2-40B4-BE49-F238E27FC236}">
-                <a16:creationId xmlns:a16="http://schemas.microsoft.com/office/drawing/2014/main" xmlns="" id="{5FE7D079-2B1B-40AF-AEBC-3D4705E15124}"/>
+                <a16:creationId xmlns="" xmlns:a16="http://schemas.microsoft.com/office/drawing/2014/main" id="{5FE7D079-2B1B-40AF-AEBC-3D4705E15124}"/>
               </a:ext>
             </a:extLst>
           </p:cNvPr>
@@ -4571,7 +4571,7 @@
           <p:cNvPr id="3" name="Subtitle 2">
             <a:extLst>
               <a:ext uri="{FF2B5EF4-FFF2-40B4-BE49-F238E27FC236}">
-                <a16:creationId xmlns:a16="http://schemas.microsoft.com/office/drawing/2014/main" xmlns="" id="{B9534E64-7AE3-404E-B86A-B8C0536DD8AE}"/>
+                <a16:creationId xmlns="" xmlns:a16="http://schemas.microsoft.com/office/drawing/2014/main" id="{B9534E64-7AE3-404E-B86A-B8C0536DD8AE}"/>
               </a:ext>
             </a:extLst>
           </p:cNvPr>
@@ -4631,7 +4631,7 @@
           <p:cNvPr id="2" name="Title 1">
             <a:extLst>
               <a:ext uri="{FF2B5EF4-FFF2-40B4-BE49-F238E27FC236}">
-                <a16:creationId xmlns:a16="http://schemas.microsoft.com/office/drawing/2014/main" xmlns="" id="{BDC1EEFF-B3ED-40E0-9C29-20B24F396040}"/>
+                <a16:creationId xmlns="" xmlns:a16="http://schemas.microsoft.com/office/drawing/2014/main" id="{BDC1EEFF-B3ED-40E0-9C29-20B24F396040}"/>
               </a:ext>
             </a:extLst>
           </p:cNvPr>
@@ -4679,7 +4679,7 @@
           <p:cNvPr id="5" name="Picture 4">
             <a:extLst>
               <a:ext uri="{FF2B5EF4-FFF2-40B4-BE49-F238E27FC236}">
-                <a16:creationId xmlns:a16="http://schemas.microsoft.com/office/drawing/2014/main" xmlns="" id="{B068ABA0-C524-47D1-B35F-900576D0587A}"/>
+                <a16:creationId xmlns="" xmlns:a16="http://schemas.microsoft.com/office/drawing/2014/main" id="{B068ABA0-C524-47D1-B35F-900576D0587A}"/>
               </a:ext>
             </a:extLst>
           </p:cNvPr>
@@ -5540,7 +5540,7 @@
           <p:cNvPr id="3" name="Content Placeholder 2">
             <a:extLst>
               <a:ext uri="{FF2B5EF4-FFF2-40B4-BE49-F238E27FC236}">
-                <a16:creationId xmlns:a16="http://schemas.microsoft.com/office/drawing/2014/main" xmlns="" id="{B7A32F1A-EEE9-4FAF-8505-D230D3A96A68}"/>
+                <a16:creationId xmlns="" xmlns:a16="http://schemas.microsoft.com/office/drawing/2014/main" id="{B7A32F1A-EEE9-4FAF-8505-D230D3A96A68}"/>
               </a:ext>
             </a:extLst>
           </p:cNvPr>
@@ -5565,7 +5565,7 @@
           <p:cNvPr id="2" name="Title 1">
             <a:extLst>
               <a:ext uri="{FF2B5EF4-FFF2-40B4-BE49-F238E27FC236}">
-                <a16:creationId xmlns:a16="http://schemas.microsoft.com/office/drawing/2014/main" xmlns="" id="{3D27B6BD-6029-4719-B606-0057CD8A37CB}"/>
+                <a16:creationId xmlns="" xmlns:a16="http://schemas.microsoft.com/office/drawing/2014/main" id="{3D27B6BD-6029-4719-B606-0057CD8A37CB}"/>
               </a:ext>
             </a:extLst>
           </p:cNvPr>
@@ -5623,7 +5623,7 @@
           <p:cNvPr id="3" name="Content Placeholder 2">
             <a:extLst>
               <a:ext uri="{FF2B5EF4-FFF2-40B4-BE49-F238E27FC236}">
-                <a16:creationId xmlns:a16="http://schemas.microsoft.com/office/drawing/2014/main" xmlns="" id="{5854B835-7BC2-467F-A535-7DE21884A81B}"/>
+                <a16:creationId xmlns="" xmlns:a16="http://schemas.microsoft.com/office/drawing/2014/main" id="{5854B835-7BC2-467F-A535-7DE21884A81B}"/>
               </a:ext>
             </a:extLst>
           </p:cNvPr>
@@ -5691,7 +5691,7 @@
           <p:cNvPr id="2" name="Title 1">
             <a:extLst>
               <a:ext uri="{FF2B5EF4-FFF2-40B4-BE49-F238E27FC236}">
-                <a16:creationId xmlns:a16="http://schemas.microsoft.com/office/drawing/2014/main" xmlns="" id="{6B8DFE3D-CF41-4632-AEB2-4BE6F92E974B}"/>
+                <a16:creationId xmlns="" xmlns:a16="http://schemas.microsoft.com/office/drawing/2014/main" id="{6B8DFE3D-CF41-4632-AEB2-4BE6F92E974B}"/>
               </a:ext>
             </a:extLst>
           </p:cNvPr>
@@ -5749,7 +5749,7 @@
           <p:cNvPr id="3" name="Content Placeholder 2">
             <a:extLst>
               <a:ext uri="{FF2B5EF4-FFF2-40B4-BE49-F238E27FC236}">
-                <a16:creationId xmlns:a16="http://schemas.microsoft.com/office/drawing/2014/main" xmlns="" id="{D5EC0356-6C79-4D24-998C-29DE6C39D1B9}"/>
+                <a16:creationId xmlns="" xmlns:a16="http://schemas.microsoft.com/office/drawing/2014/main" id="{D5EC0356-6C79-4D24-998C-29DE6C39D1B9}"/>
               </a:ext>
             </a:extLst>
           </p:cNvPr>
@@ -5876,7 +5876,7 @@
           <p:cNvPr id="2" name="Title 1">
             <a:extLst>
               <a:ext uri="{FF2B5EF4-FFF2-40B4-BE49-F238E27FC236}">
-                <a16:creationId xmlns:a16="http://schemas.microsoft.com/office/drawing/2014/main" xmlns="" id="{C928D01C-8D37-4F3A-B329-D9C66B48A509}"/>
+                <a16:creationId xmlns="" xmlns:a16="http://schemas.microsoft.com/office/drawing/2014/main" id="{C928D01C-8D37-4F3A-B329-D9C66B48A509}"/>
               </a:ext>
             </a:extLst>
           </p:cNvPr>
@@ -5939,7 +5939,7 @@
           <p:cNvPr id="3" name="Content Placeholder 2">
             <a:extLst>
               <a:ext uri="{FF2B5EF4-FFF2-40B4-BE49-F238E27FC236}">
-                <a16:creationId xmlns:a16="http://schemas.microsoft.com/office/drawing/2014/main" xmlns="" id="{7F785B1C-3FC4-43FE-88A7-4F680B15B227}"/>
+                <a16:creationId xmlns="" xmlns:a16="http://schemas.microsoft.com/office/drawing/2014/main" id="{7F785B1C-3FC4-43FE-88A7-4F680B15B227}"/>
               </a:ext>
             </a:extLst>
           </p:cNvPr>
@@ -6095,7 +6095,7 @@
           <p:cNvPr id="2" name="Title 1">
             <a:extLst>
               <a:ext uri="{FF2B5EF4-FFF2-40B4-BE49-F238E27FC236}">
-                <a16:creationId xmlns:a16="http://schemas.microsoft.com/office/drawing/2014/main" xmlns="" id="{4D9503AC-872F-4E85-AEE2-7A8E7C5BC087}"/>
+                <a16:creationId xmlns="" xmlns:a16="http://schemas.microsoft.com/office/drawing/2014/main" id="{4D9503AC-872F-4E85-AEE2-7A8E7C5BC087}"/>
               </a:ext>
             </a:extLst>
           </p:cNvPr>
@@ -6174,7 +6174,7 @@
           <p:cNvPr id="3" name="Content Placeholder 2">
             <a:extLst>
               <a:ext uri="{FF2B5EF4-FFF2-40B4-BE49-F238E27FC236}">
-                <a16:creationId xmlns:a16="http://schemas.microsoft.com/office/drawing/2014/main" xmlns="" id="{B678DDFF-0C1F-4E6A-A7AF-6FD81C2BA9CF}"/>
+                <a16:creationId xmlns="" xmlns:a16="http://schemas.microsoft.com/office/drawing/2014/main" id="{B678DDFF-0C1F-4E6A-A7AF-6FD81C2BA9CF}"/>
               </a:ext>
             </a:extLst>
           </p:cNvPr>
@@ -6314,7 +6314,7 @@
           <p:cNvPr id="2" name="Title 1">
             <a:extLst>
               <a:ext uri="{FF2B5EF4-FFF2-40B4-BE49-F238E27FC236}">
-                <a16:creationId xmlns:a16="http://schemas.microsoft.com/office/drawing/2014/main" xmlns="" id="{DE96AEBB-53AB-4615-9F17-8505694A5C4F}"/>
+                <a16:creationId xmlns="" xmlns:a16="http://schemas.microsoft.com/office/drawing/2014/main" id="{DE96AEBB-53AB-4615-9F17-8505694A5C4F}"/>
               </a:ext>
             </a:extLst>
           </p:cNvPr>
@@ -6372,7 +6372,7 @@
           <p:cNvPr id="3" name="Content Placeholder 2">
             <a:extLst>
               <a:ext uri="{FF2B5EF4-FFF2-40B4-BE49-F238E27FC236}">
-                <a16:creationId xmlns:a16="http://schemas.microsoft.com/office/drawing/2014/main" xmlns="" id="{76E19CB4-FA1C-4ED5-AFF1-B82455ED53A4}"/>
+                <a16:creationId xmlns="" xmlns:a16="http://schemas.microsoft.com/office/drawing/2014/main" id="{76E19CB4-FA1C-4ED5-AFF1-B82455ED53A4}"/>
               </a:ext>
             </a:extLst>
           </p:cNvPr>
@@ -6512,7 +6512,7 @@
           <p:cNvPr id="2" name="Title 1">
             <a:extLst>
               <a:ext uri="{FF2B5EF4-FFF2-40B4-BE49-F238E27FC236}">
-                <a16:creationId xmlns:a16="http://schemas.microsoft.com/office/drawing/2014/main" xmlns="" id="{D32D4710-71A8-410A-85F1-3F6B0BE3FAC7}"/>
+                <a16:creationId xmlns="" xmlns:a16="http://schemas.microsoft.com/office/drawing/2014/main" id="{D32D4710-71A8-410A-85F1-3F6B0BE3FAC7}"/>
               </a:ext>
             </a:extLst>
           </p:cNvPr>
@@ -6570,7 +6570,7 @@
           <p:cNvPr id="3" name="Content Placeholder 2">
             <a:extLst>
               <a:ext uri="{FF2B5EF4-FFF2-40B4-BE49-F238E27FC236}">
-                <a16:creationId xmlns:a16="http://schemas.microsoft.com/office/drawing/2014/main" xmlns="" id="{C08555ED-5306-4AC3-82F6-94DC618DC81F}"/>
+                <a16:creationId xmlns="" xmlns:a16="http://schemas.microsoft.com/office/drawing/2014/main" id="{C08555ED-5306-4AC3-82F6-94DC618DC81F}"/>
               </a:ext>
             </a:extLst>
           </p:cNvPr>
@@ -6770,7 +6770,7 @@
           <p:cNvPr id="2" name="Title 1">
             <a:extLst>
               <a:ext uri="{FF2B5EF4-FFF2-40B4-BE49-F238E27FC236}">
-                <a16:creationId xmlns:a16="http://schemas.microsoft.com/office/drawing/2014/main" xmlns="" id="{2D82E879-44E2-4AFC-91C1-A644CA698A8B}"/>
+                <a16:creationId xmlns="" xmlns:a16="http://schemas.microsoft.com/office/drawing/2014/main" id="{2D82E879-44E2-4AFC-91C1-A644CA698A8B}"/>
               </a:ext>
             </a:extLst>
           </p:cNvPr>
@@ -6828,7 +6828,7 @@
           <p:cNvPr id="3" name="Content Placeholder 2">
             <a:extLst>
               <a:ext uri="{FF2B5EF4-FFF2-40B4-BE49-F238E27FC236}">
-                <a16:creationId xmlns:a16="http://schemas.microsoft.com/office/drawing/2014/main" xmlns="" id="{0B8F9E25-F29C-4FEA-ACB4-6D6057146BE7}"/>
+                <a16:creationId xmlns="" xmlns:a16="http://schemas.microsoft.com/office/drawing/2014/main" id="{0B8F9E25-F29C-4FEA-ACB4-6D6057146BE7}"/>
               </a:ext>
             </a:extLst>
           </p:cNvPr>
@@ -6847,7 +6847,7 @@
         </p:spPr>
         <p:txBody>
           <a:bodyPr>
-            <a:normAutofit fontScale="92500" lnSpcReduction="10000"/>
+            <a:normAutofit/>
           </a:bodyPr>
           <a:lstStyle/>
           <a:p>
@@ -7022,45 +7022,6 @@
               </a:spcAft>
               <a:buNone/>
             </a:pPr>
-            <a:r>
-              <a:rPr lang="en-US" sz="1800" b="1" dirty="0">
-                <a:effectLst/>
-                <a:latin typeface="Times New Roman" panose="02020603050405020304" pitchFamily="18" charset="0"/>
-                <a:ea typeface="Calibri" panose="020F0502020204030204" pitchFamily="34" charset="0"/>
-                <a:cs typeface="Times New Roman" panose="02020603050405020304" pitchFamily="18" charset="0"/>
-              </a:rPr>
-              <a:t>QR Code Generation</a:t>
-            </a:r>
-          </a:p>
-          <a:p>
-            <a:pPr marL="0" marR="0" lvl="0" indent="0">
-              <a:lnSpc>
-                <a:spcPct val="150000"/>
-              </a:lnSpc>
-              <a:spcBef>
-                <a:spcPts val="0"/>
-              </a:spcBef>
-              <a:spcAft>
-                <a:spcPts val="1000"/>
-              </a:spcAft>
-              <a:buNone/>
-            </a:pPr>
-            <a:r>
-              <a:rPr lang="en-US" sz="1800" b="1" dirty="0">
-                <a:latin typeface="Times New Roman" panose="02020603050405020304" pitchFamily="18" charset="0"/>
-                <a:ea typeface="Calibri" panose="020F0502020204030204" pitchFamily="34" charset="0"/>
-                <a:cs typeface="Times New Roman" panose="02020603050405020304" pitchFamily="18" charset="0"/>
-              </a:rPr>
-              <a:t>	</a:t>
-            </a:r>
-            <a:r>
-              <a:rPr lang="en-US" sz="1800" dirty="0">
-                <a:latin typeface="Times New Roman" panose="02020603050405020304" pitchFamily="18" charset="0"/>
-                <a:ea typeface="Calibri" panose="020F0502020204030204" pitchFamily="34" charset="0"/>
-                <a:cs typeface="Times New Roman" panose="02020603050405020304" pitchFamily="18" charset="0"/>
-              </a:rPr>
-              <a:t>This module will be generate QR code, when the owner/admin wants to check the billing details they can scan the code and get the details very securely.  We can generate the QR code to all the module and scan the details.</a:t>
-            </a:r>
             <a:endParaRPr lang="en-US" sz="1800" dirty="0">
               <a:effectLst/>
               <a:latin typeface="Calibri" panose="020F0502020204030204" pitchFamily="34" charset="0"/>
@@ -7145,7 +7106,7 @@
           <p:cNvPr id="3" name="Content Placeholder 2">
             <a:extLst>
               <a:ext uri="{FF2B5EF4-FFF2-40B4-BE49-F238E27FC236}">
-                <a16:creationId xmlns:a16="http://schemas.microsoft.com/office/drawing/2014/main" xmlns="" id="{4302C280-D2B7-46AA-9A87-E36DB7A0CB3D}"/>
+                <a16:creationId xmlns="" xmlns:a16="http://schemas.microsoft.com/office/drawing/2014/main" id="{4302C280-D2B7-46AA-9A87-E36DB7A0CB3D}"/>
               </a:ext>
             </a:extLst>
           </p:cNvPr>
@@ -7199,7 +7160,7 @@
           <p:cNvPr id="2" name="Title 1">
             <a:extLst>
               <a:ext uri="{FF2B5EF4-FFF2-40B4-BE49-F238E27FC236}">
-                <a16:creationId xmlns:a16="http://schemas.microsoft.com/office/drawing/2014/main" xmlns="" id="{A810D388-6C07-4546-918A-2B5A67408456}"/>
+                <a16:creationId xmlns="" xmlns:a16="http://schemas.microsoft.com/office/drawing/2014/main" id="{A810D388-6C07-4546-918A-2B5A67408456}"/>
               </a:ext>
             </a:extLst>
           </p:cNvPr>
@@ -7227,7 +7188,7 @@
           <p:cNvPr id="5" name="Picture 4">
             <a:extLst>
               <a:ext uri="{FF2B5EF4-FFF2-40B4-BE49-F238E27FC236}">
-                <a16:creationId xmlns:a16="http://schemas.microsoft.com/office/drawing/2014/main" xmlns="" id="{1167489F-0533-4CE1-8152-DCF68C819B95}"/>
+                <a16:creationId xmlns="" xmlns:a16="http://schemas.microsoft.com/office/drawing/2014/main" id="{1167489F-0533-4CE1-8152-DCF68C819B95}"/>
               </a:ext>
             </a:extLst>
           </p:cNvPr>
